--- a/bg.pptx
+++ b/bg.pptx
@@ -6,6 +6,7 @@
   </p:sldMasterIdLst>
   <p:sldIdLst>
     <p:sldId id="256" r:id="rId2"/>
+    <p:sldId id="257" r:id="rId3"/>
   </p:sldIdLst>
   <p:sldSz cx="12192000" cy="6858000"/>
   <p:notesSz cx="6858000" cy="9144000"/>
@@ -259,7 +260,7 @@
           <a:p>
             <a:fld id="{7CBEFA88-8E17-4B45-A482-7FF594D7721E}" type="datetimeFigureOut">
               <a:rPr lang="en-US" smtClean="0"/>
-              <a:t>22-Dec-22</a:t>
+              <a:t>23-Dec-22</a:t>
             </a:fld>
             <a:endParaRPr lang="en-US"/>
           </a:p>
@@ -457,7 +458,7 @@
           <a:p>
             <a:fld id="{7CBEFA88-8E17-4B45-A482-7FF594D7721E}" type="datetimeFigureOut">
               <a:rPr lang="en-US" smtClean="0"/>
-              <a:t>22-Dec-22</a:t>
+              <a:t>23-Dec-22</a:t>
             </a:fld>
             <a:endParaRPr lang="en-US"/>
           </a:p>
@@ -665,7 +666,7 @@
           <a:p>
             <a:fld id="{7CBEFA88-8E17-4B45-A482-7FF594D7721E}" type="datetimeFigureOut">
               <a:rPr lang="en-US" smtClean="0"/>
-              <a:t>22-Dec-22</a:t>
+              <a:t>23-Dec-22</a:t>
             </a:fld>
             <a:endParaRPr lang="en-US"/>
           </a:p>
@@ -863,7 +864,7 @@
           <a:p>
             <a:fld id="{7CBEFA88-8E17-4B45-A482-7FF594D7721E}" type="datetimeFigureOut">
               <a:rPr lang="en-US" smtClean="0"/>
-              <a:t>22-Dec-22</a:t>
+              <a:t>23-Dec-22</a:t>
             </a:fld>
             <a:endParaRPr lang="en-US"/>
           </a:p>
@@ -1138,7 +1139,7 @@
           <a:p>
             <a:fld id="{7CBEFA88-8E17-4B45-A482-7FF594D7721E}" type="datetimeFigureOut">
               <a:rPr lang="en-US" smtClean="0"/>
-              <a:t>22-Dec-22</a:t>
+              <a:t>23-Dec-22</a:t>
             </a:fld>
             <a:endParaRPr lang="en-US"/>
           </a:p>
@@ -1403,7 +1404,7 @@
           <a:p>
             <a:fld id="{7CBEFA88-8E17-4B45-A482-7FF594D7721E}" type="datetimeFigureOut">
               <a:rPr lang="en-US" smtClean="0"/>
-              <a:t>22-Dec-22</a:t>
+              <a:t>23-Dec-22</a:t>
             </a:fld>
             <a:endParaRPr lang="en-US"/>
           </a:p>
@@ -1815,7 +1816,7 @@
           <a:p>
             <a:fld id="{7CBEFA88-8E17-4B45-A482-7FF594D7721E}" type="datetimeFigureOut">
               <a:rPr lang="en-US" smtClean="0"/>
-              <a:t>22-Dec-22</a:t>
+              <a:t>23-Dec-22</a:t>
             </a:fld>
             <a:endParaRPr lang="en-US"/>
           </a:p>
@@ -1956,7 +1957,7 @@
           <a:p>
             <a:fld id="{7CBEFA88-8E17-4B45-A482-7FF594D7721E}" type="datetimeFigureOut">
               <a:rPr lang="en-US" smtClean="0"/>
-              <a:t>22-Dec-22</a:t>
+              <a:t>23-Dec-22</a:t>
             </a:fld>
             <a:endParaRPr lang="en-US"/>
           </a:p>
@@ -2069,7 +2070,7 @@
           <a:p>
             <a:fld id="{7CBEFA88-8E17-4B45-A482-7FF594D7721E}" type="datetimeFigureOut">
               <a:rPr lang="en-US" smtClean="0"/>
-              <a:t>22-Dec-22</a:t>
+              <a:t>23-Dec-22</a:t>
             </a:fld>
             <a:endParaRPr lang="en-US"/>
           </a:p>
@@ -2380,7 +2381,7 @@
           <a:p>
             <a:fld id="{7CBEFA88-8E17-4B45-A482-7FF594D7721E}" type="datetimeFigureOut">
               <a:rPr lang="en-US" smtClean="0"/>
-              <a:t>22-Dec-22</a:t>
+              <a:t>23-Dec-22</a:t>
             </a:fld>
             <a:endParaRPr lang="en-US"/>
           </a:p>
@@ -2668,7 +2669,7 @@
           <a:p>
             <a:fld id="{7CBEFA88-8E17-4B45-A482-7FF594D7721E}" type="datetimeFigureOut">
               <a:rPr lang="en-US" smtClean="0"/>
-              <a:t>22-Dec-22</a:t>
+              <a:t>23-Dec-22</a:t>
             </a:fld>
             <a:endParaRPr lang="en-US"/>
           </a:p>
@@ -2909,7 +2910,7 @@
           <a:p>
             <a:fld id="{7CBEFA88-8E17-4B45-A482-7FF594D7721E}" type="datetimeFigureOut">
               <a:rPr lang="en-US" smtClean="0"/>
-              <a:t>22-Dec-22</a:t>
+              <a:t>23-Dec-22</a:t>
             </a:fld>
             <a:endParaRPr lang="en-US"/>
           </a:p>
@@ -3731,6 +3732,181 @@
 </p:sld>
 </file>
 
+<file path=ppt/slides/slide2.xml><?xml version="1.0" encoding="utf-8"?>
+<p:sld xmlns:a="http://schemas.openxmlformats.org/drawingml/2006/main" xmlns:r="http://schemas.openxmlformats.org/officeDocument/2006/relationships" xmlns:p="http://schemas.openxmlformats.org/presentationml/2006/main">
+  <p:cSld>
+    <p:spTree>
+      <p:nvGrpSpPr>
+        <p:cNvPr id="1" name=""/>
+        <p:cNvGrpSpPr/>
+        <p:nvPr/>
+      </p:nvGrpSpPr>
+      <p:grpSpPr>
+        <a:xfrm>
+          <a:off x="0" y="0"/>
+          <a:ext cx="0" cy="0"/>
+          <a:chOff x="0" y="0"/>
+          <a:chExt cx="0" cy="0"/>
+        </a:xfrm>
+      </p:grpSpPr>
+      <p:pic>
+        <p:nvPicPr>
+          <p:cNvPr id="5" name="Picture 4" descr="Qr code&#10;&#10;Description automatically generated">
+            <a:extLst>
+              <a:ext uri="{FF2B5EF4-FFF2-40B4-BE49-F238E27FC236}">
+                <a16:creationId xmlns:a16="http://schemas.microsoft.com/office/drawing/2014/main" id="{B3CC65C5-50A6-4C75-7144-C63070F8625D}"/>
+              </a:ext>
+            </a:extLst>
+          </p:cNvPr>
+          <p:cNvPicPr>
+            <a:picLocks noChangeAspect="1"/>
+          </p:cNvPicPr>
+          <p:nvPr/>
+        </p:nvPicPr>
+        <p:blipFill>
+          <a:blip r:embed="rId2">
+            <a:extLst>
+              <a:ext uri="{28A0092B-C50C-407E-A947-70E740481C1C}">
+                <a14:useLocalDpi xmlns:a14="http://schemas.microsoft.com/office/drawing/2010/main" val="0"/>
+              </a:ext>
+            </a:extLst>
+          </a:blip>
+          <a:stretch>
+            <a:fillRect/>
+          </a:stretch>
+        </p:blipFill>
+        <p:spPr>
+          <a:xfrm>
+            <a:off x="2716764" y="895124"/>
+            <a:ext cx="2905530" cy="2896004"/>
+          </a:xfrm>
+          <a:prstGeom prst="rect">
+            <a:avLst/>
+          </a:prstGeom>
+        </p:spPr>
+      </p:pic>
+      <p:pic>
+        <p:nvPicPr>
+          <p:cNvPr id="7" name="Picture 6" descr="Qr code&#10;&#10;Description automatically generated">
+            <a:extLst>
+              <a:ext uri="{FF2B5EF4-FFF2-40B4-BE49-F238E27FC236}">
+                <a16:creationId xmlns:a16="http://schemas.microsoft.com/office/drawing/2014/main" id="{7C0C2087-49A6-89FC-901D-F3BA78FE4D01}"/>
+              </a:ext>
+            </a:extLst>
+          </p:cNvPr>
+          <p:cNvPicPr>
+            <a:picLocks noChangeAspect="1"/>
+          </p:cNvPicPr>
+          <p:nvPr/>
+        </p:nvPicPr>
+        <p:blipFill>
+          <a:blip r:embed="rId3">
+            <a:extLst>
+              <a:ext uri="{28A0092B-C50C-407E-A947-70E740481C1C}">
+                <a14:useLocalDpi xmlns:a14="http://schemas.microsoft.com/office/drawing/2010/main" val="0"/>
+              </a:ext>
+            </a:extLst>
+          </a:blip>
+          <a:stretch>
+            <a:fillRect/>
+          </a:stretch>
+        </p:blipFill>
+        <p:spPr>
+          <a:xfrm>
+            <a:off x="7011666" y="925675"/>
+            <a:ext cx="2905530" cy="2865453"/>
+          </a:xfrm>
+          <a:prstGeom prst="rect">
+            <a:avLst/>
+          </a:prstGeom>
+        </p:spPr>
+      </p:pic>
+      <p:sp>
+        <p:nvSpPr>
+          <p:cNvPr id="8" name="TextBox 7">
+            <a:extLst>
+              <a:ext uri="{FF2B5EF4-FFF2-40B4-BE49-F238E27FC236}">
+                <a16:creationId xmlns:a16="http://schemas.microsoft.com/office/drawing/2014/main" id="{C4EDC10D-6406-140C-5873-19395DA91F1E}"/>
+              </a:ext>
+            </a:extLst>
+          </p:cNvPr>
+          <p:cNvSpPr txBox="1"/>
+          <p:nvPr/>
+        </p:nvSpPr>
+        <p:spPr>
+          <a:xfrm>
+            <a:off x="2669022" y="3870960"/>
+            <a:ext cx="3001014" cy="461665"/>
+          </a:xfrm>
+          <a:prstGeom prst="rect">
+            <a:avLst/>
+          </a:prstGeom>
+          <a:noFill/>
+        </p:spPr>
+        <p:txBody>
+          <a:bodyPr wrap="square" rtlCol="0">
+            <a:spAutoFit/>
+          </a:bodyPr>
+          <a:lstStyle/>
+          <a:p>
+            <a:pPr algn="ctr"/>
+            <a:r>
+              <a:rPr lang="en-US" sz="2400" b="1" dirty="0"/>
+              <a:t>NGUYỄN THỊ THÚY</a:t>
+            </a:r>
+          </a:p>
+        </p:txBody>
+      </p:sp>
+      <p:sp>
+        <p:nvSpPr>
+          <p:cNvPr id="9" name="TextBox 8">
+            <a:extLst>
+              <a:ext uri="{FF2B5EF4-FFF2-40B4-BE49-F238E27FC236}">
+                <a16:creationId xmlns:a16="http://schemas.microsoft.com/office/drawing/2014/main" id="{1D970D00-C4E6-46E1-E474-B78C417A9348}"/>
+              </a:ext>
+            </a:extLst>
+          </p:cNvPr>
+          <p:cNvSpPr txBox="1"/>
+          <p:nvPr/>
+        </p:nvSpPr>
+        <p:spPr>
+          <a:xfrm>
+            <a:off x="6963924" y="3870960"/>
+            <a:ext cx="3001014" cy="461665"/>
+          </a:xfrm>
+          <a:prstGeom prst="rect">
+            <a:avLst/>
+          </a:prstGeom>
+          <a:noFill/>
+        </p:spPr>
+        <p:txBody>
+          <a:bodyPr wrap="square" rtlCol="0">
+            <a:spAutoFit/>
+          </a:bodyPr>
+          <a:lstStyle/>
+          <a:p>
+            <a:pPr algn="ctr"/>
+            <a:r>
+              <a:rPr lang="en-US" sz="2400" b="1"/>
+              <a:t>NGUYỄN THÁI TẤN</a:t>
+            </a:r>
+            <a:endParaRPr lang="en-US" sz="2400" b="1" dirty="0"/>
+          </a:p>
+        </p:txBody>
+      </p:sp>
+    </p:spTree>
+    <p:extLst>
+      <p:ext uri="{BB962C8B-B14F-4D97-AF65-F5344CB8AC3E}">
+        <p14:creationId xmlns:p14="http://schemas.microsoft.com/office/powerpoint/2010/main" val="1106213830"/>
+      </p:ext>
+    </p:extLst>
+  </p:cSld>
+  <p:clrMapOvr>
+    <a:masterClrMapping/>
+  </p:clrMapOvr>
+</p:sld>
+</file>
+
 <file path=ppt/theme/theme1.xml><?xml version="1.0" encoding="utf-8"?>
 <a:theme xmlns:a="http://schemas.openxmlformats.org/drawingml/2006/main" name="Office Theme">
   <a:themeElements>

--- a/bg.pptx
+++ b/bg.pptx
@@ -260,7 +260,7 @@
           <a:p>
             <a:fld id="{7CBEFA88-8E17-4B45-A482-7FF594D7721E}" type="datetimeFigureOut">
               <a:rPr lang="en-US" smtClean="0"/>
-              <a:t>23-Dec-22</a:t>
+              <a:t>1/18/2023</a:t>
             </a:fld>
             <a:endParaRPr lang="en-US"/>
           </a:p>
@@ -458,7 +458,7 @@
           <a:p>
             <a:fld id="{7CBEFA88-8E17-4B45-A482-7FF594D7721E}" type="datetimeFigureOut">
               <a:rPr lang="en-US" smtClean="0"/>
-              <a:t>23-Dec-22</a:t>
+              <a:t>1/18/2023</a:t>
             </a:fld>
             <a:endParaRPr lang="en-US"/>
           </a:p>
@@ -666,7 +666,7 @@
           <a:p>
             <a:fld id="{7CBEFA88-8E17-4B45-A482-7FF594D7721E}" type="datetimeFigureOut">
               <a:rPr lang="en-US" smtClean="0"/>
-              <a:t>23-Dec-22</a:t>
+              <a:t>1/18/2023</a:t>
             </a:fld>
             <a:endParaRPr lang="en-US"/>
           </a:p>
@@ -864,7 +864,7 @@
           <a:p>
             <a:fld id="{7CBEFA88-8E17-4B45-A482-7FF594D7721E}" type="datetimeFigureOut">
               <a:rPr lang="en-US" smtClean="0"/>
-              <a:t>23-Dec-22</a:t>
+              <a:t>1/18/2023</a:t>
             </a:fld>
             <a:endParaRPr lang="en-US"/>
           </a:p>
@@ -1139,7 +1139,7 @@
           <a:p>
             <a:fld id="{7CBEFA88-8E17-4B45-A482-7FF594D7721E}" type="datetimeFigureOut">
               <a:rPr lang="en-US" smtClean="0"/>
-              <a:t>23-Dec-22</a:t>
+              <a:t>1/18/2023</a:t>
             </a:fld>
             <a:endParaRPr lang="en-US"/>
           </a:p>
@@ -1404,7 +1404,7 @@
           <a:p>
             <a:fld id="{7CBEFA88-8E17-4B45-A482-7FF594D7721E}" type="datetimeFigureOut">
               <a:rPr lang="en-US" smtClean="0"/>
-              <a:t>23-Dec-22</a:t>
+              <a:t>1/18/2023</a:t>
             </a:fld>
             <a:endParaRPr lang="en-US"/>
           </a:p>
@@ -1816,7 +1816,7 @@
           <a:p>
             <a:fld id="{7CBEFA88-8E17-4B45-A482-7FF594D7721E}" type="datetimeFigureOut">
               <a:rPr lang="en-US" smtClean="0"/>
-              <a:t>23-Dec-22</a:t>
+              <a:t>1/18/2023</a:t>
             </a:fld>
             <a:endParaRPr lang="en-US"/>
           </a:p>
@@ -1957,7 +1957,7 @@
           <a:p>
             <a:fld id="{7CBEFA88-8E17-4B45-A482-7FF594D7721E}" type="datetimeFigureOut">
               <a:rPr lang="en-US" smtClean="0"/>
-              <a:t>23-Dec-22</a:t>
+              <a:t>1/18/2023</a:t>
             </a:fld>
             <a:endParaRPr lang="en-US"/>
           </a:p>
@@ -2070,7 +2070,7 @@
           <a:p>
             <a:fld id="{7CBEFA88-8E17-4B45-A482-7FF594D7721E}" type="datetimeFigureOut">
               <a:rPr lang="en-US" smtClean="0"/>
-              <a:t>23-Dec-22</a:t>
+              <a:t>1/18/2023</a:t>
             </a:fld>
             <a:endParaRPr lang="en-US"/>
           </a:p>
@@ -2381,7 +2381,7 @@
           <a:p>
             <a:fld id="{7CBEFA88-8E17-4B45-A482-7FF594D7721E}" type="datetimeFigureOut">
               <a:rPr lang="en-US" smtClean="0"/>
-              <a:t>23-Dec-22</a:t>
+              <a:t>1/18/2023</a:t>
             </a:fld>
             <a:endParaRPr lang="en-US"/>
           </a:p>
@@ -2669,7 +2669,7 @@
           <a:p>
             <a:fld id="{7CBEFA88-8E17-4B45-A482-7FF594D7721E}" type="datetimeFigureOut">
               <a:rPr lang="en-US" smtClean="0"/>
-              <a:t>23-Dec-22</a:t>
+              <a:t>1/18/2023</a:t>
             </a:fld>
             <a:endParaRPr lang="en-US"/>
           </a:p>
@@ -2910,7 +2910,7 @@
           <a:p>
             <a:fld id="{7CBEFA88-8E17-4B45-A482-7FF594D7721E}" type="datetimeFigureOut">
               <a:rPr lang="en-US" smtClean="0"/>
-              <a:t>23-Dec-22</a:t>
+              <a:t>1/18/2023</a:t>
             </a:fld>
             <a:endParaRPr lang="en-US"/>
           </a:p>
@@ -3813,8 +3813,8 @@
         </p:blipFill>
         <p:spPr>
           <a:xfrm>
-            <a:off x="7011666" y="925675"/>
-            <a:ext cx="2905530" cy="2865453"/>
+            <a:off x="6986206" y="885291"/>
+            <a:ext cx="2956449" cy="2915670"/>
           </a:xfrm>
           <a:prstGeom prst="rect">
             <a:avLst/>
